--- a/ClassMaterials/EnvironmentsAndClosures/17-Environments-and-closures.pptx
+++ b/ClassMaterials/EnvironmentsAndClosures/17-Environments-and-closures.pptx
@@ -178,6 +178,106 @@
     </p:ext>
   </p:extLst>
 </p:presentation>
+</file>
+
+<file path=ppt/revisionInfo.xml><?xml version="1.0" encoding="utf-8"?>
+<p1510:revInfo xmlns:a="http://schemas.openxmlformats.org/drawingml/2006/main" xmlns:r="http://schemas.openxmlformats.org/officeDocument/2006/relationships" xmlns:p1510="http://schemas.microsoft.com/office/powerpoint/2015/10/main">
+  <p1510:revLst>
+    <p1510:client id="{FF36F2F6-C7FE-4719-8D18-FBEE3A19C1A8}" v="1" dt="2021-09-30T13:39:48.295"/>
+  </p1510:revLst>
+</p1510:revInfo>
+</file>
+
+<file path=ppt/changesInfos/changesInfo1.xml><?xml version="1.0" encoding="utf-8"?>
+<pc:chgInfo xmlns:a="http://schemas.openxmlformats.org/drawingml/2006/main" xmlns:r="http://schemas.openxmlformats.org/officeDocument/2006/relationships" xmlns:ac="http://schemas.microsoft.com/office/drawing/2013/main/command" xmlns:pc="http://schemas.microsoft.com/office/powerpoint/2013/main/command">
+  <pc:docChgLst>
+    <pc:chgData name="Hewner, Mike" userId="7f3f83dd-6dfb-4127-a87f-c1714bd4fac9" providerId="ADAL" clId="{FF36F2F6-C7FE-4719-8D18-FBEE3A19C1A8}"/>
+    <pc:docChg chg="custSel modSld">
+      <pc:chgData name="Hewner, Mike" userId="7f3f83dd-6dfb-4127-a87f-c1714bd4fac9" providerId="ADAL" clId="{FF36F2F6-C7FE-4719-8D18-FBEE3A19C1A8}" dt="2021-09-30T13:41:56.060" v="813" actId="20577"/>
+      <pc:docMkLst>
+        <pc:docMk/>
+      </pc:docMkLst>
+      <pc:sldChg chg="modSp mod">
+        <pc:chgData name="Hewner, Mike" userId="7f3f83dd-6dfb-4127-a87f-c1714bd4fac9" providerId="ADAL" clId="{FF36F2F6-C7FE-4719-8D18-FBEE3A19C1A8}" dt="2021-09-30T13:34:55.994" v="470" actId="1076"/>
+        <pc:sldMkLst>
+          <pc:docMk/>
+          <pc:sldMk cId="758303312" sldId="382"/>
+        </pc:sldMkLst>
+        <pc:spChg chg="mod">
+          <ac:chgData name="Hewner, Mike" userId="7f3f83dd-6dfb-4127-a87f-c1714bd4fac9" providerId="ADAL" clId="{FF36F2F6-C7FE-4719-8D18-FBEE3A19C1A8}" dt="2021-09-30T13:34:55.994" v="470" actId="1076"/>
+          <ac:spMkLst>
+            <pc:docMk/>
+            <pc:sldMk cId="758303312" sldId="382"/>
+            <ac:spMk id="5" creationId="{00000000-0000-0000-0000-000000000000}"/>
+          </ac:spMkLst>
+        </pc:spChg>
+      </pc:sldChg>
+      <pc:sldChg chg="addSp delSp modSp mod">
+        <pc:chgData name="Hewner, Mike" userId="7f3f83dd-6dfb-4127-a87f-c1714bd4fac9" providerId="ADAL" clId="{FF36F2F6-C7FE-4719-8D18-FBEE3A19C1A8}" dt="2021-09-30T13:41:56.060" v="813" actId="20577"/>
+        <pc:sldMkLst>
+          <pc:docMk/>
+          <pc:sldMk cId="2719175512" sldId="393"/>
+        </pc:sldMkLst>
+        <pc:spChg chg="mod">
+          <ac:chgData name="Hewner, Mike" userId="7f3f83dd-6dfb-4127-a87f-c1714bd4fac9" providerId="ADAL" clId="{FF36F2F6-C7FE-4719-8D18-FBEE3A19C1A8}" dt="2021-09-30T13:39:29.080" v="597" actId="20577"/>
+          <ac:spMkLst>
+            <pc:docMk/>
+            <pc:sldMk cId="2719175512" sldId="393"/>
+            <ac:spMk id="2" creationId="{00000000-0000-0000-0000-000000000000}"/>
+          </ac:spMkLst>
+        </pc:spChg>
+        <pc:spChg chg="add del mod">
+          <ac:chgData name="Hewner, Mike" userId="7f3f83dd-6dfb-4127-a87f-c1714bd4fac9" providerId="ADAL" clId="{FF36F2F6-C7FE-4719-8D18-FBEE3A19C1A8}" dt="2021-09-30T13:39:10.638" v="596" actId="478"/>
+          <ac:spMkLst>
+            <pc:docMk/>
+            <pc:sldMk cId="2719175512" sldId="393"/>
+            <ac:spMk id="3" creationId="{E89AB14D-E151-431D-82B5-994A9BEC04BD}"/>
+          </ac:spMkLst>
+        </pc:spChg>
+        <pc:spChg chg="mod">
+          <ac:chgData name="Hewner, Mike" userId="7f3f83dd-6dfb-4127-a87f-c1714bd4fac9" providerId="ADAL" clId="{FF36F2F6-C7FE-4719-8D18-FBEE3A19C1A8}" dt="2021-09-30T13:39:33.384" v="598" actId="20577"/>
+          <ac:spMkLst>
+            <pc:docMk/>
+            <pc:sldMk cId="2719175512" sldId="393"/>
+            <ac:spMk id="6" creationId="{00000000-0000-0000-0000-000000000000}"/>
+          </ac:spMkLst>
+        </pc:spChg>
+        <pc:spChg chg="add mod">
+          <ac:chgData name="Hewner, Mike" userId="7f3f83dd-6dfb-4127-a87f-c1714bd4fac9" providerId="ADAL" clId="{FF36F2F6-C7FE-4719-8D18-FBEE3A19C1A8}" dt="2021-09-30T13:41:56.060" v="813" actId="20577"/>
+          <ac:spMkLst>
+            <pc:docMk/>
+            <pc:sldMk cId="2719175512" sldId="393"/>
+            <ac:spMk id="7" creationId="{ADAE48FB-4BB4-4AEB-9E3A-79114714C242}"/>
+          </ac:spMkLst>
+        </pc:spChg>
+        <pc:graphicFrameChg chg="mod">
+          <ac:chgData name="Hewner, Mike" userId="7f3f83dd-6dfb-4127-a87f-c1714bd4fac9" providerId="ADAL" clId="{FF36F2F6-C7FE-4719-8D18-FBEE3A19C1A8}" dt="2021-09-30T13:41:12.804" v="774" actId="1076"/>
+          <ac:graphicFrameMkLst>
+            <pc:docMk/>
+            <pc:sldMk cId="2719175512" sldId="393"/>
+            <ac:graphicFrameMk id="4" creationId="{00000000-0000-0000-0000-000000000000}"/>
+          </ac:graphicFrameMkLst>
+        </pc:graphicFrameChg>
+        <pc:cxnChg chg="mod">
+          <ac:chgData name="Hewner, Mike" userId="7f3f83dd-6dfb-4127-a87f-c1714bd4fac9" providerId="ADAL" clId="{FF36F2F6-C7FE-4719-8D18-FBEE3A19C1A8}" dt="2021-09-30T13:41:23.843" v="777" actId="14100"/>
+          <ac:cxnSpMkLst>
+            <pc:docMk/>
+            <pc:sldMk cId="2719175512" sldId="393"/>
+            <ac:cxnSpMk id="5" creationId="{00000000-0000-0000-0000-000000000000}"/>
+          </ac:cxnSpMkLst>
+        </pc:cxnChg>
+        <pc:cxnChg chg="mod">
+          <ac:chgData name="Hewner, Mike" userId="7f3f83dd-6dfb-4127-a87f-c1714bd4fac9" providerId="ADAL" clId="{FF36F2F6-C7FE-4719-8D18-FBEE3A19C1A8}" dt="2021-09-30T13:41:20.308" v="776" actId="14100"/>
+          <ac:cxnSpMkLst>
+            <pc:docMk/>
+            <pc:sldMk cId="2719175512" sldId="393"/>
+            <ac:cxnSpMk id="10" creationId="{00000000-0000-0000-0000-000000000000}"/>
+          </ac:cxnSpMkLst>
+        </pc:cxnChg>
+      </pc:sldChg>
+    </pc:docChg>
+  </pc:docChgLst>
+</pc:chgInfo>
 </file>
 
 <file path=ppt/handoutMasters/handoutMaster1.xml><?xml version="1.0" encoding="utf-8"?>
@@ -4715,9 +4815,7 @@
           <p:cNvGraphicFramePr>
             <a:graphicFrameLocks noGrp="1"/>
           </p:cNvGraphicFramePr>
-          <p:nvPr>
-            <p:extLst/>
-          </p:nvPr>
+          <p:nvPr/>
         </p:nvGraphicFramePr>
         <p:xfrm>
           <a:off x="4038600" y="4343400"/>
@@ -11207,7 +11305,7 @@
         </p:nvSpPr>
         <p:spPr>
           <a:xfrm>
-            <a:off x="1676400" y="2209801"/>
+            <a:off x="1676400" y="2520156"/>
             <a:ext cx="8839200" cy="1817687"/>
           </a:xfrm>
         </p:spPr>
@@ -11215,67 +11313,68 @@
           <a:bodyPr/>
           <a:lstStyle/>
           <a:p>
-            <a:r>
-              <a:rPr lang="en-US" sz="2800" dirty="0">
-                <a:solidFill>
-                  <a:srgbClr val="00FF00"/>
-                </a:solidFill>
-              </a:rPr>
-              <a:t>Some data structures behind Scheme's execution mechanism</a:t>
-            </a:r>
-            <a:br>
-              <a:rPr lang="en-US" sz="2800" dirty="0">
-                <a:solidFill>
-                  <a:srgbClr val="00FF00"/>
-                </a:solidFill>
-              </a:rPr>
-            </a:br>
-            <a:br>
-              <a:rPr lang="en-US" sz="2800" dirty="0">
-                <a:solidFill>
-                  <a:srgbClr val="00FF00"/>
-                </a:solidFill>
-              </a:rPr>
-            </a:br>
-            <a:endParaRPr lang="en-US" sz="2800" dirty="0">
-              <a:solidFill>
-                <a:srgbClr val="00FF00"/>
-              </a:solidFill>
-            </a:endParaRPr>
-          </a:p>
-          <a:p>
-            <a:pPr algn="ctr"/>
-            <a:r>
-              <a:rPr lang="en-US" sz="2600" b="1" dirty="0">
-                <a:solidFill>
-                  <a:srgbClr val="00FF00"/>
-                </a:solidFill>
-              </a:rPr>
-              <a:t>Don't allow yourself to get lost during today’s  class! </a:t>
-            </a:r>
-            <a:r>
-              <a:rPr lang="en-US" sz="2600" dirty="0"/>
-              <a:t> </a:t>
-            </a:r>
-            <a:br>
-              <a:rPr lang="en-US" sz="2600" dirty="0"/>
-            </a:br>
+            <a:pPr marL="457200" indent="-457200">
+              <a:buFont typeface="Arial" panose="020B0604020202020204" pitchFamily="34" charset="0"/>
+              <a:buChar char="•"/>
+            </a:pPr>
             <a:r>
               <a:rPr lang="en-US" sz="2600" b="1" dirty="0">
                 <a:solidFill>
                   <a:srgbClr val="FFFF00"/>
                 </a:solidFill>
               </a:rPr>
-              <a:t>Ask instead!</a:t>
-            </a:r>
-            <a:br>
+              <a:t>Don’t allow yourself to get behind during today’s class</a:t>
+            </a:r>
+          </a:p>
+          <a:p>
+            <a:pPr marL="457200" indent="-457200">
+              <a:buFont typeface="Arial" panose="020B0604020202020204" pitchFamily="34" charset="0"/>
+              <a:buChar char="•"/>
+            </a:pPr>
+            <a:r>
               <a:rPr lang="en-US" sz="2600" b="1" dirty="0">
                 <a:solidFill>
                   <a:srgbClr val="FFFF00"/>
                 </a:solidFill>
               </a:rPr>
+              <a:t>This will be a formalization of what you already “know” intuitively – as we step through, keep in mind</a:t>
+            </a:r>
+          </a:p>
+          <a:p>
+            <a:pPr marL="914400" lvl="1" indent="-457200">
+              <a:buFont typeface="Wingdings" panose="05000000000000000000" pitchFamily="2" charset="2"/>
+              <a:buChar char="§"/>
+            </a:pPr>
+            <a:r>
+              <a:rPr lang="en-US" sz="2400" b="1" dirty="0">
+                <a:solidFill>
+                  <a:srgbClr val="FFFF00"/>
+                </a:solidFill>
+              </a:rPr>
+              <a:t>In the end, this should correspond to your existing idea of how scheme programs work (so if it seems to violate those rules, you should stop me)</a:t>
+            </a:r>
+          </a:p>
+          <a:p>
+            <a:pPr marL="914400" lvl="1" indent="-457200">
+              <a:buFont typeface="Wingdings" panose="05000000000000000000" pitchFamily="2" charset="2"/>
+              <a:buChar char="§"/>
+            </a:pPr>
+            <a:r>
+              <a:rPr lang="en-US" sz="2400" b="1" dirty="0">
+                <a:solidFill>
+                  <a:srgbClr val="FFFF00"/>
+                </a:solidFill>
+              </a:rPr>
+              <a:t>But, to be a valid formalization, we don’t want to appeal to intuition – instead the process should be totally mechanical</a:t>
+            </a:r>
+            <a:br>
+              <a:rPr lang="en-US" sz="2400" b="1" dirty="0">
+                <a:solidFill>
+                  <a:srgbClr val="FFFF00"/>
+                </a:solidFill>
+              </a:rPr>
             </a:br>
-            <a:endParaRPr lang="en-US" sz="2600" b="1" dirty="0">
+            <a:endParaRPr lang="en-US" sz="2400" b="1" dirty="0">
               <a:solidFill>
                 <a:srgbClr val="FFFF00"/>
               </a:solidFill>
@@ -11399,9 +11498,7 @@
           <p:cNvGraphicFramePr>
             <a:graphicFrameLocks noGrp="1"/>
           </p:cNvGraphicFramePr>
-          <p:nvPr>
-            <p:extLst/>
-          </p:nvPr>
+          <p:nvPr/>
         </p:nvGraphicFramePr>
         <p:xfrm>
           <a:off x="4876800" y="3398520"/>
@@ -11926,11 +12023,15 @@
             <a:graphicFrameLocks noGrp="1"/>
           </p:cNvGraphicFramePr>
           <p:nvPr>
-            <p:extLst/>
+            <p:extLst>
+              <p:ext uri="{D42A27DB-BD31-4B8C-83A1-F6EECF244321}">
+                <p14:modId xmlns:p14="http://schemas.microsoft.com/office/powerpoint/2010/main" val="3652836436"/>
+              </p:ext>
+            </p:extLst>
           </p:nvPr>
         </p:nvGraphicFramePr>
         <p:xfrm>
-          <a:off x="3429000" y="3048000"/>
+          <a:off x="3294530" y="2699295"/>
           <a:ext cx="2133600" cy="2331720"/>
         </p:xfrm>
         <a:graphic>
@@ -12175,7 +12276,7 @@
             </a:r>
             <a:r>
               <a:rPr lang="en-US" dirty="0"/>
-              <a:t> proc is represented</a:t>
+              <a:t> proc is represented*</a:t>
             </a:r>
           </a:p>
           <a:p>
@@ -12230,7 +12331,7 @@
             </a:r>
             <a:r>
               <a:rPr lang="en-US" dirty="0"/>
-              <a:t>proc is represented</a:t>
+              <a:t>proc is represented*</a:t>
             </a:r>
           </a:p>
           <a:p>
@@ -12242,13 +12343,15 @@
       <p:cxnSp>
         <p:nvCxnSpPr>
           <p:cNvPr id="5" name="Elbow Connector 4"/>
-          <p:cNvCxnSpPr/>
+          <p:cNvCxnSpPr>
+            <a:cxnSpLocks/>
+          </p:cNvCxnSpPr>
           <p:nvPr/>
         </p:nvCxnSpPr>
         <p:spPr>
           <a:xfrm>
-            <a:off x="4648200" y="3429000"/>
-            <a:ext cx="2057400" cy="335280"/>
+            <a:off x="4648201" y="3032760"/>
+            <a:ext cx="2133600" cy="396240"/>
           </a:xfrm>
           <a:prstGeom prst="bentConnector3">
             <a:avLst>
@@ -12277,13 +12380,15 @@
       <p:cxnSp>
         <p:nvCxnSpPr>
           <p:cNvPr id="10" name="Elbow Connector 9"/>
-          <p:cNvCxnSpPr/>
+          <p:cNvCxnSpPr>
+            <a:cxnSpLocks/>
+          </p:cNvCxnSpPr>
           <p:nvPr/>
         </p:nvCxnSpPr>
         <p:spPr>
           <a:xfrm>
-            <a:off x="4648201" y="4038600"/>
-            <a:ext cx="2321859" cy="1066800"/>
+            <a:off x="4648201" y="3764280"/>
+            <a:ext cx="2321859" cy="1341120"/>
           </a:xfrm>
           <a:prstGeom prst="bentConnector3">
             <a:avLst>
@@ -12309,6 +12414,45 @@
           </a:fontRef>
         </p:style>
       </p:cxnSp>
+      <p:sp>
+        <p:nvSpPr>
+          <p:cNvPr id="7" name="TextBox 6">
+            <a:extLst>
+              <a:ext uri="{FF2B5EF4-FFF2-40B4-BE49-F238E27FC236}">
+                <a16:creationId xmlns:a16="http://schemas.microsoft.com/office/drawing/2014/main" id="{ADAE48FB-4BB4-4AEB-9E3A-79114714C242}"/>
+              </a:ext>
+            </a:extLst>
+          </p:cNvPr>
+          <p:cNvSpPr txBox="1"/>
+          <p:nvPr/>
+        </p:nvSpPr>
+        <p:spPr>
+          <a:xfrm>
+            <a:off x="170330" y="5250906"/>
+            <a:ext cx="5638800" cy="1569660"/>
+          </a:xfrm>
+          <a:prstGeom prst="rect">
+            <a:avLst/>
+          </a:prstGeom>
+          <a:noFill/>
+        </p:spPr>
+        <p:txBody>
+          <a:bodyPr wrap="square" rtlCol="0">
+            <a:spAutoFit/>
+          </a:bodyPr>
+          <a:lstStyle/>
+          <a:p>
+            <a:r>
+              <a:rPr lang="en-US" dirty="0">
+                <a:solidFill>
+                  <a:schemeClr val="bg1"/>
+                </a:solidFill>
+              </a:rPr>
+              <a:t>* Procedures without code will be treated as a ‘black box’.  Procedures with code are represented as closures using the rules I will discuss today.</a:t>
+            </a:r>
+          </a:p>
+        </p:txBody>
+      </p:sp>
     </p:spTree>
     <p:extLst>
       <p:ext uri="{BB962C8B-B14F-4D97-AF65-F5344CB8AC3E}">
@@ -12964,9 +13108,7 @@
           <p:cNvGraphicFramePr>
             <a:graphicFrameLocks noGrp="1"/>
           </p:cNvGraphicFramePr>
-          <p:nvPr>
-            <p:extLst/>
-          </p:nvPr>
+          <p:nvPr/>
         </p:nvGraphicFramePr>
         <p:xfrm>
           <a:off x="6629400" y="4404244"/>
